--- a/images.pptx
+++ b/images.pptx
@@ -5,17 +5,18 @@
     <p:sldMasterId id="2147483648" r:id="rId1"/>
   </p:sldMasterIdLst>
   <p:notesMasterIdLst>
-    <p:notesMasterId r:id="rId10"/>
+    <p:notesMasterId r:id="rId11"/>
   </p:notesMasterIdLst>
   <p:sldIdLst>
-    <p:sldId id="272" r:id="rId2"/>
-    <p:sldId id="273" r:id="rId3"/>
-    <p:sldId id="276" r:id="rId4"/>
-    <p:sldId id="277" r:id="rId5"/>
-    <p:sldId id="278" r:id="rId6"/>
-    <p:sldId id="280" r:id="rId7"/>
-    <p:sldId id="274" r:id="rId8"/>
-    <p:sldId id="275" r:id="rId9"/>
+    <p:sldId id="281" r:id="rId2"/>
+    <p:sldId id="272" r:id="rId3"/>
+    <p:sldId id="273" r:id="rId4"/>
+    <p:sldId id="276" r:id="rId5"/>
+    <p:sldId id="277" r:id="rId6"/>
+    <p:sldId id="278" r:id="rId7"/>
+    <p:sldId id="280" r:id="rId8"/>
+    <p:sldId id="274" r:id="rId9"/>
+    <p:sldId id="275" r:id="rId10"/>
   </p:sldIdLst>
   <p:sldSz cx="12192000" cy="6858000"/>
   <p:notesSz cx="6858000" cy="9144000"/>
@@ -114,6 +115,11 @@
       </a:defRPr>
     </a:lvl9pPr>
   </p:defaultTextStyle>
+  <p:extLst>
+    <p:ext uri="{EFAFB233-063F-42B5-8137-9DF3F51BA10A}">
+      <p15:sldGuideLst xmlns:p15="http://schemas.microsoft.com/office/powerpoint/2012/main"/>
+    </p:ext>
+  </p:extLst>
 </p:presentation>
 </file>
 
@@ -3653,6 +3659,146 @@
         <p:grpSpPr>
           <a:xfrm>
             <a:off x="2628900" y="1752600"/>
+            <a:ext cx="7200900" cy="3600000"/>
+            <a:chOff x="2628900" y="1752600"/>
+            <a:chExt cx="7200900" cy="3600000"/>
+          </a:xfrm>
+        </p:grpSpPr>
+        <p:sp>
+          <p:nvSpPr>
+            <p:cNvPr id="8" name="正方形/長方形 7"/>
+            <p:cNvSpPr/>
+            <p:nvPr/>
+          </p:nvSpPr>
+          <p:spPr>
+            <a:xfrm>
+              <a:off x="2628900" y="1752600"/>
+              <a:ext cx="7200900" cy="3600000"/>
+            </a:xfrm>
+            <a:prstGeom prst="rect">
+              <a:avLst/>
+            </a:prstGeom>
+            <a:ln>
+              <a:solidFill>
+                <a:schemeClr val="tx1"/>
+              </a:solidFill>
+            </a:ln>
+          </p:spPr>
+          <p:style>
+            <a:lnRef idx="2">
+              <a:schemeClr val="accent6"/>
+            </a:lnRef>
+            <a:fillRef idx="1">
+              <a:schemeClr val="lt1"/>
+            </a:fillRef>
+            <a:effectRef idx="0">
+              <a:schemeClr val="accent6"/>
+            </a:effectRef>
+            <a:fontRef idx="minor">
+              <a:schemeClr val="dk1"/>
+            </a:fontRef>
+          </p:style>
+          <p:txBody>
+            <a:bodyPr rtlCol="0" anchor="ctr"/>
+            <a:lstStyle/>
+            <a:p>
+              <a:pPr algn="ctr"/>
+              <a:endParaRPr kumimoji="1" lang="ja-JP" altLang="en-US"/>
+            </a:p>
+          </p:txBody>
+        </p:sp>
+        <p:sp>
+          <p:nvSpPr>
+            <p:cNvPr id="13" name="テキスト ボックス 12"/>
+            <p:cNvSpPr txBox="1"/>
+            <p:nvPr/>
+          </p:nvSpPr>
+          <p:spPr>
+            <a:xfrm>
+              <a:off x="3597860" y="2998602"/>
+              <a:ext cx="5262979" cy="1107996"/>
+            </a:xfrm>
+            <a:prstGeom prst="rect">
+              <a:avLst/>
+            </a:prstGeom>
+            <a:noFill/>
+          </p:spPr>
+          <p:txBody>
+            <a:bodyPr wrap="none" rtlCol="0">
+              <a:spAutoFit/>
+              <a:scene3d>
+                <a:camera prst="orthographicFront"/>
+                <a:lightRig rig="harsh" dir="t"/>
+              </a:scene3d>
+              <a:sp3d extrusionH="57150" prstMaterial="matte">
+                <a:bevelT w="63500" h="12700" prst="angle"/>
+                <a:contourClr>
+                  <a:schemeClr val="bg1">
+                    <a:lumMod val="65000"/>
+                  </a:schemeClr>
+                </a:contourClr>
+              </a:sp3d>
+            </a:bodyPr>
+            <a:lstStyle/>
+            <a:p>
+              <a:r>
+                <a:rPr kumimoji="1" lang="ja-JP" altLang="en-US" sz="6600" b="1" smtClean="0">
+                  <a:ln/>
+                  <a:solidFill>
+                    <a:schemeClr val="accent3"/>
+                  </a:solidFill>
+                </a:rPr>
+                <a:t>アキラの伝説</a:t>
+              </a:r>
+              <a:endParaRPr kumimoji="1" lang="ja-JP" altLang="en-US" sz="6600" b="1">
+                <a:ln/>
+                <a:solidFill>
+                  <a:schemeClr val="accent3"/>
+                </a:solidFill>
+              </a:endParaRPr>
+            </a:p>
+          </p:txBody>
+        </p:sp>
+      </p:grpSp>
+    </p:spTree>
+    <p:extLst>
+      <p:ext uri="{BB962C8B-B14F-4D97-AF65-F5344CB8AC3E}">
+        <p14:creationId xmlns:p14="http://schemas.microsoft.com/office/powerpoint/2010/main" val="1157456272"/>
+      </p:ext>
+    </p:extLst>
+  </p:cSld>
+  <p:clrMapOvr>
+    <a:masterClrMapping/>
+  </p:clrMapOvr>
+</p:sld>
+</file>
+
+<file path=ppt/slides/slide2.xml><?xml version="1.0" encoding="utf-8"?>
+<p:sld xmlns:a="http://schemas.openxmlformats.org/drawingml/2006/main" xmlns:r="http://schemas.openxmlformats.org/officeDocument/2006/relationships" xmlns:p="http://schemas.openxmlformats.org/presentationml/2006/main">
+  <p:cSld>
+    <p:spTree>
+      <p:nvGrpSpPr>
+        <p:cNvPr id="1" name=""/>
+        <p:cNvGrpSpPr/>
+        <p:nvPr/>
+      </p:nvGrpSpPr>
+      <p:grpSpPr>
+        <a:xfrm>
+          <a:off x="0" y="0"/>
+          <a:ext cx="0" cy="0"/>
+          <a:chOff x="0" y="0"/>
+          <a:chExt cx="0" cy="0"/>
+        </a:xfrm>
+      </p:grpSpPr>
+      <p:grpSp>
+        <p:nvGrpSpPr>
+          <p:cNvPr id="14" name="図形グループ 13"/>
+          <p:cNvGrpSpPr/>
+          <p:nvPr/>
+        </p:nvGrpSpPr>
+        <p:grpSpPr>
+          <a:xfrm>
+            <a:off x="2628900" y="1752600"/>
             <a:ext cx="7219950" cy="3619500"/>
             <a:chOff x="2628900" y="1752600"/>
             <a:chExt cx="7219950" cy="3619500"/>
@@ -4123,7 +4269,7 @@
 </p:sld>
 </file>
 
-<file path=ppt/slides/slide2.xml><?xml version="1.0" encoding="utf-8"?>
+<file path=ppt/slides/slide3.xml><?xml version="1.0" encoding="utf-8"?>
 <p:sld xmlns:a="http://schemas.openxmlformats.org/drawingml/2006/main" xmlns:r="http://schemas.openxmlformats.org/officeDocument/2006/relationships" xmlns:p="http://schemas.openxmlformats.org/presentationml/2006/main">
   <p:cSld>
     <p:spTree>
@@ -4619,7 +4765,7 @@
 </p:sld>
 </file>
 
-<file path=ppt/slides/slide3.xml><?xml version="1.0" encoding="utf-8"?>
+<file path=ppt/slides/slide4.xml><?xml version="1.0" encoding="utf-8"?>
 <p:sld xmlns:a="http://schemas.openxmlformats.org/drawingml/2006/main" xmlns:r="http://schemas.openxmlformats.org/officeDocument/2006/relationships" xmlns:p="http://schemas.openxmlformats.org/presentationml/2006/main">
   <p:cSld>
     <p:spTree>
@@ -5081,7 +5227,7 @@
 </p:sld>
 </file>
 
-<file path=ppt/slides/slide4.xml><?xml version="1.0" encoding="utf-8"?>
+<file path=ppt/slides/slide5.xml><?xml version="1.0" encoding="utf-8"?>
 <p:sld xmlns:a="http://schemas.openxmlformats.org/drawingml/2006/main" xmlns:r="http://schemas.openxmlformats.org/officeDocument/2006/relationships" xmlns:p="http://schemas.openxmlformats.org/presentationml/2006/main">
   <p:cSld>
     <p:spTree>
@@ -5543,7 +5689,7 @@
 </p:sld>
 </file>
 
-<file path=ppt/slides/slide5.xml><?xml version="1.0" encoding="utf-8"?>
+<file path=ppt/slides/slide6.xml><?xml version="1.0" encoding="utf-8"?>
 <p:sld xmlns:a="http://schemas.openxmlformats.org/drawingml/2006/main" xmlns:r="http://schemas.openxmlformats.org/officeDocument/2006/relationships" xmlns:p="http://schemas.openxmlformats.org/presentationml/2006/main">
   <p:cSld>
     <p:spTree>
@@ -7514,7 +7660,7 @@
 </p:sld>
 </file>
 
-<file path=ppt/slides/slide6.xml><?xml version="1.0" encoding="utf-8"?>
+<file path=ppt/slides/slide7.xml><?xml version="1.0" encoding="utf-8"?>
 <p:sld xmlns:a="http://schemas.openxmlformats.org/drawingml/2006/main" xmlns:r="http://schemas.openxmlformats.org/officeDocument/2006/relationships" xmlns:p="http://schemas.openxmlformats.org/presentationml/2006/main">
   <p:cSld>
     <p:spTree>
@@ -9485,7 +9631,7 @@
 </p:sld>
 </file>
 
-<file path=ppt/slides/slide7.xml><?xml version="1.0" encoding="utf-8"?>
+<file path=ppt/slides/slide8.xml><?xml version="1.0" encoding="utf-8"?>
 <p:sld xmlns:a="http://schemas.openxmlformats.org/drawingml/2006/main" xmlns:r="http://schemas.openxmlformats.org/officeDocument/2006/relationships" xmlns:p="http://schemas.openxmlformats.org/presentationml/2006/main">
   <p:cSld>
     <p:spTree>
@@ -9569,7 +9715,7 @@
 </p:sld>
 </file>
 
-<file path=ppt/slides/slide8.xml><?xml version="1.0" encoding="utf-8"?>
+<file path=ppt/slides/slide9.xml><?xml version="1.0" encoding="utf-8"?>
 <p:sld xmlns:a="http://schemas.openxmlformats.org/drawingml/2006/main" xmlns:r="http://schemas.openxmlformats.org/officeDocument/2006/relationships" xmlns:p="http://schemas.openxmlformats.org/presentationml/2006/main">
   <p:cSld>
     <p:spTree>
